--- a/WebArch_DissertationPresentation.pptx
+++ b/WebArch_DissertationPresentation.pptx
@@ -1545,7 +1545,7 @@
         </p:nvSpPr>
         <p:spPr>
           <a:xfrm>
-            <a:off x="381300" y="685800"/>
+            <a:off x="381000" y="685800"/>
             <a:ext cx="6096000" cy="3429000"/>
           </a:xfrm>
           <a:custGeom>
@@ -5327,7 +5327,7 @@
         </p:nvSpPr>
         <p:spPr>
           <a:xfrm>
-            <a:off x="381300" y="685800"/>
+            <a:off x="381000" y="685800"/>
             <a:ext cx="6096000" cy="3429000"/>
           </a:xfrm>
           <a:custGeom>
@@ -9875,6 +9875,13 @@
   <p:clrMapOvr>
     <a:masterClrMapping/>
   </p:clrMapOvr>
+  <p:timing>
+    <p:tnLst>
+      <p:par>
+        <p:cTn id="1" dur="indefinite" restart="never" nodeType="tmRoot"/>
+      </p:par>
+    </p:tnLst>
+  </p:timing>
 </p:sld>
 </file>
 
@@ -10158,6 +10165,13 @@
   <p:clrMapOvr>
     <a:masterClrMapping/>
   </p:clrMapOvr>
+  <p:timing>
+    <p:tnLst>
+      <p:par>
+        <p:cTn id="1" dur="indefinite" restart="never" nodeType="tmRoot"/>
+      </p:par>
+    </p:tnLst>
+  </p:timing>
 </p:sld>
 </file>
 
@@ -10399,6 +10413,13 @@
   <p:clrMapOvr>
     <a:masterClrMapping/>
   </p:clrMapOvr>
+  <p:timing>
+    <p:tnLst>
+      <p:par>
+        <p:cTn id="1" dur="indefinite" restart="never" nodeType="tmRoot"/>
+      </p:par>
+    </p:tnLst>
+  </p:timing>
 </p:sld>
 </file>
 
@@ -10710,6 +10731,13 @@
   <p:clrMapOvr>
     <a:masterClrMapping/>
   </p:clrMapOvr>
+  <p:timing>
+    <p:tnLst>
+      <p:par>
+        <p:cTn id="1" dur="indefinite" restart="never" nodeType="tmRoot"/>
+      </p:par>
+    </p:tnLst>
+  </p:timing>
 </p:sld>
 </file>
 
@@ -11059,6 +11087,13 @@
   <p:clrMapOvr>
     <a:masterClrMapping/>
   </p:clrMapOvr>
+  <p:timing>
+    <p:tnLst>
+      <p:par>
+        <p:cTn id="1" dur="indefinite" restart="never" nodeType="tmRoot"/>
+      </p:par>
+    </p:tnLst>
+  </p:timing>
 </p:sld>
 </file>
 
@@ -11197,7 +11232,7 @@
               <a:buNone/>
             </a:pPr>
             <a:r>
-              <a:rPr lang="en"/>
+              <a:rPr lang="en" dirty="0"/>
               <a:t>			</a:t>
             </a:r>
           </a:p>
@@ -11209,11 +11244,19 @@
               <a:buNone/>
             </a:pPr>
             <a:r>
-              <a:rPr lang="en"/>
-              <a:t>				Introduced these </a:t>
-            </a:r>
-            <a:r>
-              <a:rPr lang="en" b="1"/>
+              <a:rPr lang="en" dirty="0"/>
+              <a:t>	</a:t>
+            </a:r>
+            <a:r>
+              <a:rPr lang="en" dirty="0" smtClean="0"/>
+              <a:t>	Introduced </a:t>
+            </a:r>
+            <a:r>
+              <a:rPr lang="en" dirty="0"/>
+              <a:t>these </a:t>
+            </a:r>
+            <a:r>
+              <a:rPr lang="en" b="1" dirty="0"/>
               <a:t>Temporal Web Graph Schemas</a:t>
             </a:r>
           </a:p>
@@ -11324,6 +11367,13 @@
   <p:clrMapOvr>
     <a:masterClrMapping/>
   </p:clrMapOvr>
+  <p:timing>
+    <p:tnLst>
+      <p:par>
+        <p:cTn id="1" dur="indefinite" restart="never" nodeType="tmRoot"/>
+      </p:par>
+    </p:tnLst>
+  </p:timing>
 </p:sld>
 </file>
 
@@ -11460,6 +11510,13 @@
   <p:clrMapOvr>
     <a:masterClrMapping/>
   </p:clrMapOvr>
+  <p:timing>
+    <p:tnLst>
+      <p:par>
+        <p:cTn id="1" dur="indefinite" restart="never" nodeType="tmRoot"/>
+      </p:par>
+    </p:tnLst>
+  </p:timing>
 </p:sld>
 </file>
 
@@ -11714,6 +11771,13 @@
   <p:clrMapOvr>
     <a:masterClrMapping/>
   </p:clrMapOvr>
+  <p:timing>
+    <p:tnLst>
+      <p:par>
+        <p:cTn id="1" dur="indefinite" restart="never" nodeType="tmRoot"/>
+      </p:par>
+    </p:tnLst>
+  </p:timing>
 </p:sld>
 </file>
 
@@ -11870,6 +11934,13 @@
   <p:clrMapOvr>
     <a:masterClrMapping/>
   </p:clrMapOvr>
+  <p:timing>
+    <p:tnLst>
+      <p:par>
+        <p:cTn id="1" dur="indefinite" restart="never" nodeType="tmRoot"/>
+      </p:par>
+    </p:tnLst>
+  </p:timing>
 </p:sld>
 </file>
 
@@ -12113,6 +12184,13 @@
   <p:clrMapOvr>
     <a:masterClrMapping/>
   </p:clrMapOvr>
+  <p:timing>
+    <p:tnLst>
+      <p:par>
+        <p:cTn id="1" dur="indefinite" restart="never" nodeType="tmRoot"/>
+      </p:par>
+    </p:tnLst>
+  </p:timing>
 </p:sld>
 </file>
 
@@ -12282,6 +12360,13 @@
   <p:clrMapOvr>
     <a:masterClrMapping/>
   </p:clrMapOvr>
+  <p:timing>
+    <p:tnLst>
+      <p:par>
+        <p:cTn id="1" dur="indefinite" restart="never" nodeType="tmRoot"/>
+      </p:par>
+    </p:tnLst>
+  </p:timing>
 </p:sld>
 </file>
 
@@ -12551,6 +12636,13 @@
   <p:clrMapOvr>
     <a:masterClrMapping/>
   </p:clrMapOvr>
+  <p:timing>
+    <p:tnLst>
+      <p:par>
+        <p:cTn id="1" dur="indefinite" restart="never" nodeType="tmRoot"/>
+      </p:par>
+    </p:tnLst>
+  </p:timing>
 </p:sld>
 </file>
 
@@ -12790,6 +12882,13 @@
   <p:clrMapOvr>
     <a:masterClrMapping/>
   </p:clrMapOvr>
+  <p:timing>
+    <p:tnLst>
+      <p:par>
+        <p:cTn id="1" dur="indefinite" restart="never" nodeType="tmRoot"/>
+      </p:par>
+    </p:tnLst>
+  </p:timing>
 </p:sld>
 </file>
 
@@ -12986,6 +13085,13 @@
   <p:clrMapOvr>
     <a:masterClrMapping/>
   </p:clrMapOvr>
+  <p:timing>
+    <p:tnLst>
+      <p:par>
+        <p:cTn id="1" dur="indefinite" restart="never" nodeType="tmRoot"/>
+      </p:par>
+    </p:tnLst>
+  </p:timing>
 </p:sld>
 </file>
 
@@ -13259,6 +13365,13 @@
   <p:clrMapOvr>
     <a:masterClrMapping/>
   </p:clrMapOvr>
+  <p:timing>
+    <p:tnLst>
+      <p:par>
+        <p:cTn id="1" dur="indefinite" restart="never" nodeType="tmRoot"/>
+      </p:par>
+    </p:tnLst>
+  </p:timing>
 </p:sld>
 </file>
 
@@ -13486,6 +13599,13 @@
   <p:clrMapOvr>
     <a:masterClrMapping/>
   </p:clrMapOvr>
+  <p:timing>
+    <p:tnLst>
+      <p:par>
+        <p:cTn id="1" dur="indefinite" restart="never" nodeType="tmRoot"/>
+      </p:par>
+    </p:tnLst>
+  </p:timing>
 </p:sld>
 </file>
 
@@ -13677,6 +13797,13 @@
   <p:clrMapOvr>
     <a:masterClrMapping/>
   </p:clrMapOvr>
+  <p:timing>
+    <p:tnLst>
+      <p:par>
+        <p:cTn id="1" dur="indefinite" restart="never" nodeType="tmRoot"/>
+      </p:par>
+    </p:tnLst>
+  </p:timing>
 </p:sld>
 </file>
 
@@ -13827,6 +13954,13 @@
   <p:clrMapOvr>
     <a:masterClrMapping/>
   </p:clrMapOvr>
+  <p:timing>
+    <p:tnLst>
+      <p:par>
+        <p:cTn id="1" dur="indefinite" restart="never" nodeType="tmRoot"/>
+      </p:par>
+    </p:tnLst>
+  </p:timing>
 </p:sld>
 </file>
 
@@ -14133,6 +14267,13 @@
   <p:clrMapOvr>
     <a:masterClrMapping/>
   </p:clrMapOvr>
+  <p:timing>
+    <p:tnLst>
+      <p:par>
+        <p:cTn id="1" dur="indefinite" restart="never" nodeType="tmRoot"/>
+      </p:par>
+    </p:tnLst>
+  </p:timing>
 </p:sld>
 </file>
 
@@ -14278,6 +14419,13 @@
   <p:clrMapOvr>
     <a:masterClrMapping/>
   </p:clrMapOvr>
+  <p:timing>
+    <p:tnLst>
+      <p:par>
+        <p:cTn id="1" dur="indefinite" restart="never" nodeType="tmRoot"/>
+      </p:par>
+    </p:tnLst>
+  </p:timing>
 </p:sld>
 </file>
 
@@ -14453,6 +14601,13 @@
   <p:clrMapOvr>
     <a:masterClrMapping/>
   </p:clrMapOvr>
+  <p:timing>
+    <p:tnLst>
+      <p:par>
+        <p:cTn id="1" dur="indefinite" restart="never" nodeType="tmRoot"/>
+      </p:par>
+    </p:tnLst>
+  </p:timing>
 </p:sld>
 </file>
 
@@ -14710,6 +14865,13 @@
   <p:clrMapOvr>
     <a:masterClrMapping/>
   </p:clrMapOvr>
+  <p:timing>
+    <p:tnLst>
+      <p:par>
+        <p:cTn id="1" dur="indefinite" restart="never" nodeType="tmRoot"/>
+      </p:par>
+    </p:tnLst>
+  </p:timing>
 </p:sld>
 </file>
 
@@ -14976,6 +15138,13 @@
   <p:clrMapOvr>
     <a:masterClrMapping/>
   </p:clrMapOvr>
+  <p:timing>
+    <p:tnLst>
+      <p:par>
+        <p:cTn id="1" dur="indefinite" restart="never" nodeType="tmRoot"/>
+      </p:par>
+    </p:tnLst>
+  </p:timing>
 </p:sld>
 </file>
 
@@ -15124,6 +15293,13 @@
   <p:clrMapOvr>
     <a:masterClrMapping/>
   </p:clrMapOvr>
+  <p:timing>
+    <p:tnLst>
+      <p:par>
+        <p:cTn id="1" dur="indefinite" restart="never" nodeType="tmRoot"/>
+      </p:par>
+    </p:tnLst>
+  </p:timing>
 </p:sld>
 </file>
 
@@ -15337,6 +15513,13 @@
   <p:clrMapOvr>
     <a:masterClrMapping/>
   </p:clrMapOvr>
+  <p:timing>
+    <p:tnLst>
+      <p:par>
+        <p:cTn id="1" dur="indefinite" restart="never" nodeType="tmRoot"/>
+      </p:par>
+    </p:tnLst>
+  </p:timing>
 </p:sld>
 </file>
 
@@ -15477,6 +15660,13 @@
   <p:clrMapOvr>
     <a:masterClrMapping/>
   </p:clrMapOvr>
+  <p:timing>
+    <p:tnLst>
+      <p:par>
+        <p:cTn id="1" dur="indefinite" restart="never" nodeType="tmRoot"/>
+      </p:par>
+    </p:tnLst>
+  </p:timing>
 </p:sld>
 </file>
 
@@ -15663,6 +15853,13 @@
   <p:clrMapOvr>
     <a:masterClrMapping/>
   </p:clrMapOvr>
+  <p:timing>
+    <p:tnLst>
+      <p:par>
+        <p:cTn id="1" dur="indefinite" restart="never" nodeType="tmRoot"/>
+      </p:par>
+    </p:tnLst>
+  </p:timing>
 </p:sld>
 </file>
 
@@ -15935,6 +16132,13 @@
   <p:clrMapOvr>
     <a:masterClrMapping/>
   </p:clrMapOvr>
+  <p:timing>
+    <p:tnLst>
+      <p:par>
+        <p:cTn id="1" dur="indefinite" restart="never" nodeType="tmRoot"/>
+      </p:par>
+    </p:tnLst>
+  </p:timing>
 </p:sld>
 </file>
 
@@ -16150,6 +16354,13 @@
   <p:clrMapOvr>
     <a:masterClrMapping/>
   </p:clrMapOvr>
+  <p:timing>
+    <p:tnLst>
+      <p:par>
+        <p:cTn id="1" dur="indefinite" restart="never" nodeType="tmRoot"/>
+      </p:par>
+    </p:tnLst>
+  </p:timing>
 </p:sld>
 </file>
 
@@ -16431,6 +16642,13 @@
   <p:clrMapOvr>
     <a:masterClrMapping/>
   </p:clrMapOvr>
+  <p:timing>
+    <p:tnLst>
+      <p:par>
+        <p:cTn id="1" dur="indefinite" restart="never" nodeType="tmRoot"/>
+      </p:par>
+    </p:tnLst>
+  </p:timing>
 </p:sld>
 </file>
 
@@ -16463,8 +16681,8 @@
         </p:nvSpPr>
         <p:spPr>
           <a:xfrm>
-            <a:off x="311700" y="148725"/>
-            <a:ext cx="8520600" cy="517200"/>
+            <a:off x="304800" y="133350"/>
+            <a:ext cx="8520600" cy="457200"/>
           </a:xfrm>
           <a:prstGeom prst="rect">
             <a:avLst/>
@@ -16483,11 +16701,11 @@
               <a:buNone/>
             </a:pPr>
             <a:r>
-              <a:rPr lang="en" sz="3000"/>
+              <a:rPr lang="en" sz="3000" dirty="0"/>
               <a:t>CONTENT SERVICE	  </a:t>
             </a:r>
             <a:r>
-              <a:rPr lang="en" sz="2400" b="1"/>
+              <a:rPr lang="en" sz="2400" b="1" dirty="0"/>
               <a:t>ArcContent</a:t>
             </a:r>
           </a:p>
@@ -16532,7 +16750,7 @@
               <a:buChar char="➔"/>
             </a:pPr>
             <a:r>
-              <a:rPr lang="en"/>
+              <a:rPr lang="en" dirty="0"/>
               <a:t>Main Responsibility is to retrieve the actual archived content </a:t>
             </a:r>
           </a:p>
@@ -16548,27 +16766,27 @@
               <a:buChar char="➔"/>
             </a:pPr>
             <a:r>
-              <a:rPr lang="en"/>
+              <a:rPr lang="en" dirty="0"/>
               <a:t>3 types of responses </a:t>
             </a:r>
             <a:r>
-              <a:rPr lang="en" i="1"/>
+              <a:rPr lang="en" i="1" dirty="0"/>
               <a:t>Raw</a:t>
             </a:r>
             <a:r>
-              <a:rPr lang="en"/>
+              <a:rPr lang="en" dirty="0"/>
               <a:t>, </a:t>
             </a:r>
             <a:r>
-              <a:rPr lang="en" i="1"/>
+              <a:rPr lang="en" i="1" dirty="0"/>
               <a:t>Modified &amp;</a:t>
             </a:r>
             <a:r>
-              <a:rPr lang="en"/>
+              <a:rPr lang="en" dirty="0"/>
               <a:t> </a:t>
             </a:r>
             <a:r>
-              <a:rPr lang="en" i="1"/>
+              <a:rPr lang="en" i="1" dirty="0"/>
               <a:t>Extracted </a:t>
             </a:r>
           </a:p>
@@ -16590,7 +16808,7 @@
         </p:blipFill>
         <p:spPr>
           <a:xfrm>
-            <a:off x="860912" y="1598100"/>
+            <a:off x="838200" y="1809750"/>
             <a:ext cx="5142425" cy="830769"/>
           </a:xfrm>
           <a:prstGeom prst="rect">
@@ -16618,8 +16836,8 @@
         </p:blipFill>
         <p:spPr>
           <a:xfrm>
-            <a:off x="860925" y="2497675"/>
-            <a:ext cx="5219476" cy="2645825"/>
+            <a:off x="860924" y="2647950"/>
+            <a:ext cx="5235076" cy="2495550"/>
           </a:xfrm>
           <a:prstGeom prst="rect">
             <a:avLst/>
@@ -16680,6 +16898,13 @@
   <p:clrMapOvr>
     <a:masterClrMapping/>
   </p:clrMapOvr>
+  <p:timing>
+    <p:tnLst>
+      <p:par>
+        <p:cTn id="1" dur="indefinite" restart="never" nodeType="tmRoot"/>
+      </p:par>
+    </p:tnLst>
+  </p:timing>
 </p:sld>
 </file>
 
@@ -16912,6 +17137,13 @@
   <p:clrMapOvr>
     <a:masterClrMapping/>
   </p:clrMapOvr>
+  <p:timing>
+    <p:tnLst>
+      <p:par>
+        <p:cTn id="1" dur="indefinite" restart="never" nodeType="tmRoot"/>
+      </p:par>
+    </p:tnLst>
+  </p:timing>
 </p:sld>
 </file>
 
@@ -17048,6 +17280,13 @@
   <p:clrMapOvr>
     <a:masterClrMapping/>
   </p:clrMapOvr>
+  <p:timing>
+    <p:tnLst>
+      <p:par>
+        <p:cTn id="1" dur="indefinite" restart="never" nodeType="tmRoot"/>
+      </p:par>
+    </p:tnLst>
+  </p:timing>
 </p:sld>
 </file>
 
@@ -17184,6 +17423,13 @@
   <p:clrMapOvr>
     <a:masterClrMapping/>
   </p:clrMapOvr>
+  <p:timing>
+    <p:tnLst>
+      <p:par>
+        <p:cTn id="1" dur="indefinite" restart="never" nodeType="tmRoot"/>
+      </p:par>
+    </p:tnLst>
+  </p:timing>
 </p:sld>
 </file>
 
